--- a/docs/Hello World/micro-hello-world.pptx
+++ b/docs/Hello World/micro-hello-world.pptx
@@ -14,8 +14,6 @@
     <p:sldId id="259" r:id="rId11"/>
     <p:sldId id="260" r:id="rId12"/>
     <p:sldId id="261" r:id="rId13"/>
-    <p:sldId id="262" r:id="rId14"/>
-    <p:sldId id="263" r:id="rId15"/>
   </p:sldIdLst>
   <p:sldSz cx="24371300" cy="13716000"/>
   <p:notesSz cx="6858000" cy="9144000"/>
@@ -630,7 +628,7 @@
       </p:grpSpPr>
       <p:sp>
         <p:nvSpPr>
-          <p:cNvPr id="92" name="Shape 92"/>
+          <p:cNvPr id="90" name="Shape 90"/>
           <p:cNvSpPr/>
           <p:nvPr>
             <p:ph type="sldImg"/>
@@ -651,7 +649,7 @@
       </p:sp>
       <p:sp>
         <p:nvSpPr>
-          <p:cNvPr id="93" name="Shape 93"/>
+          <p:cNvPr id="91" name="Shape 91"/>
           <p:cNvSpPr/>
           <p:nvPr>
             <p:ph type="body" sz="quarter" idx="1"/>
@@ -2576,7 +2574,7 @@
         </p:nvSpPr>
         <p:spPr>
           <a:xfrm>
-            <a:off x="8176527" y="5266112"/>
+            <a:off x="8176527" y="5266111"/>
             <a:ext cx="8018246" cy="2794001"/>
           </a:xfrm>
           <a:prstGeom prst="rect">
@@ -2660,14 +2658,14 @@
       </p:grpSpPr>
       <p:sp>
         <p:nvSpPr>
-          <p:cNvPr id="81" name="依赖…"/>
+          <p:cNvPr id="81" name="Service"/>
           <p:cNvSpPr txBox="1"/>
           <p:nvPr/>
         </p:nvSpPr>
         <p:spPr>
           <a:xfrm>
-            <a:off x="7356364" y="3303904"/>
-            <a:ext cx="7712721" cy="7108191"/>
+            <a:off x="619394" y="712651"/>
+            <a:ext cx="3719672" cy="1310641"/>
           </a:xfrm>
           <a:prstGeom prst="rect">
             <a:avLst/>
@@ -2685,100 +2683,1103 @@
           <a:bodyPr wrap="none" lIns="45719" rIns="45719">
             <a:spAutoFit/>
           </a:bodyPr>
+          <a:lstStyle>
+            <a:lvl1pPr defTabSz="1828432">
+              <a:defRPr b="1" sz="8000"/>
+            </a:lvl1pPr>
+          </a:lstStyle>
+          <a:p>
+            <a:pPr/>
+            <a:r>
+              <a:t>Service</a:t>
+            </a:r>
+          </a:p>
+        </p:txBody>
+      </p:sp>
+      <p:sp>
+        <p:nvSpPr>
+          <p:cNvPr id="82" name="package main…"/>
+          <p:cNvSpPr txBox="1"/>
+          <p:nvPr/>
+        </p:nvSpPr>
+        <p:spPr>
+          <a:xfrm>
+            <a:off x="3454070" y="2557492"/>
+            <a:ext cx="19147165" cy="9997441"/>
+          </a:xfrm>
+          <a:prstGeom prst="rect">
+            <a:avLst/>
+          </a:prstGeom>
+          <a:ln w="12700">
+            <a:miter lim="400000"/>
+          </a:ln>
+          <a:extLst>
+            <a:ext uri="{C572A759-6A51-4108-AA02-DFA0A04FC94B}">
+              <ma14:wrappingTextBoxFlag xmlns:ma14="http://schemas.microsoft.com/office/mac/drawingml/2011/main" val="1"/>
+            </a:ext>
+          </a:extLst>
+        </p:spPr>
+        <p:txBody>
+          <a:bodyPr lIns="45719" rIns="45719">
+            <a:spAutoFit/>
+          </a:bodyPr>
           <a:lstStyle/>
           <a:p>
-            <a:pPr marL="360947" indent="-360947">
-              <a:buSzPct val="100000"/>
-              <a:buChar char="•"/>
-              <a:defRPr sz="6900">
-                <a:solidFill>
-                  <a:srgbClr val="000000"/>
-                </a:solidFill>
+            <a:pPr defTabSz="457200">
+              <a:lnSpc>
+                <a:spcPts val="4600"/>
+              </a:lnSpc>
+              <a:defRPr sz="2200">
+                <a:solidFill>
+                  <a:srgbClr val="D73A49"/>
+                </a:solidFill>
+                <a:latin typeface="Menlo"/>
+                <a:ea typeface="Menlo"/>
+                <a:cs typeface="Menlo"/>
+                <a:sym typeface="Menlo"/>
               </a:defRPr>
             </a:pPr>
             <a:r>
-              <a:t> </a:t>
-            </a:r>
-            <a:r>
-              <a:rPr b="1"/>
-              <a:t>依赖</a:t>
-            </a:r>
-          </a:p>
-          <a:p>
-            <a:pPr lvl="1" marL="741947" indent="-360947">
-              <a:buSzPct val="100000"/>
-              <a:buChar char="•"/>
-              <a:defRPr sz="6900">
-                <a:solidFill>
-                  <a:srgbClr val="000000"/>
-                </a:solidFill>
+              <a:t>package</a:t>
+            </a:r>
+            <a:r>
+              <a:rPr>
+                <a:solidFill>
+                  <a:srgbClr val="24292E"/>
+                </a:solidFill>
+              </a:rPr>
+              <a:t> main</a:t>
+            </a:r>
+          </a:p>
+          <a:p>
+            <a:pPr algn="r" defTabSz="457200">
+              <a:lnSpc>
+                <a:spcPts val="4600"/>
+              </a:lnSpc>
+              <a:defRPr sz="2200">
+                <a:solidFill>
+                  <a:srgbClr val="1B1F23">
+                    <a:alpha val="29803"/>
+                  </a:srgbClr>
+                </a:solidFill>
+                <a:latin typeface="Menlo"/>
+                <a:ea typeface="Menlo"/>
+                <a:cs typeface="Menlo"/>
+                <a:sym typeface="Menlo"/>
               </a:defRPr>
             </a:pPr>
-            <a:r>
-              <a:t>protoc-gen-micro</a:t>
-            </a:r>
-          </a:p>
-          <a:p>
-            <a:pPr lvl="1" marL="741947" indent="-360947">
+          </a:p>
+          <a:p>
+            <a:pPr defTabSz="457200">
               <a:lnSpc>
-                <a:spcPct val="150000"/>
+                <a:spcPts val="4600"/>
               </a:lnSpc>
-              <a:buSzPct val="100000"/>
-              <a:buChar char="•"/>
-              <a:defRPr sz="6900">
-                <a:solidFill>
-                  <a:srgbClr val="000000"/>
-                </a:solidFill>
+              <a:defRPr sz="2200">
+                <a:solidFill>
+                  <a:srgbClr val="D73A49"/>
+                </a:solidFill>
+                <a:latin typeface="Menlo"/>
+                <a:ea typeface="Menlo"/>
+                <a:cs typeface="Menlo"/>
+                <a:sym typeface="Menlo"/>
               </a:defRPr>
             </a:pPr>
             <a:r>
-              <a:t>protoc-gen-go</a:t>
-            </a:r>
-          </a:p>
-          <a:p>
-            <a:pPr marL="360947" indent="-360947">
-              <a:buSzPct val="100000"/>
-              <a:buChar char="•"/>
-              <a:defRPr sz="6900">
-                <a:solidFill>
-                  <a:srgbClr val="000000"/>
-                </a:solidFill>
+              <a:t>import</a:t>
+            </a:r>
+            <a:r>
+              <a:rPr>
+                <a:solidFill>
+                  <a:srgbClr val="24292E"/>
+                </a:solidFill>
+              </a:rPr>
+              <a:t> (</a:t>
+            </a:r>
+          </a:p>
+          <a:p>
+            <a:pPr defTabSz="457200">
+              <a:lnSpc>
+                <a:spcPts val="4600"/>
+              </a:lnSpc>
+              <a:defRPr sz="2200">
+                <a:solidFill>
+                  <a:srgbClr val="032F62"/>
+                </a:solidFill>
+                <a:latin typeface="Menlo"/>
+                <a:ea typeface="Menlo"/>
+                <a:cs typeface="Menlo"/>
+                <a:sym typeface="Menlo"/>
               </a:defRPr>
             </a:pPr>
             <a:r>
-              <a:t> </a:t>
-            </a:r>
-            <a:r>
-              <a:rPr b="1"/>
-              <a:t>Micro</a:t>
-            </a:r>
-          </a:p>
-          <a:p>
-            <a:pPr lvl="1" marL="741947" indent="-360947">
-              <a:buSzPct val="100000"/>
-              <a:buChar char="•"/>
-              <a:defRPr sz="6900">
-                <a:solidFill>
-                  <a:srgbClr val="000000"/>
-                </a:solidFill>
+              <a:rPr>
+                <a:solidFill>
+                  <a:srgbClr val="24292E"/>
+                </a:solidFill>
+              </a:rPr>
+              <a:t>	</a:t>
+            </a:r>
+            <a:r>
+              <a:t>"context"</a:t>
+            </a:r>
+          </a:p>
+          <a:p>
+            <a:pPr defTabSz="457200">
+              <a:lnSpc>
+                <a:spcPts val="4600"/>
+              </a:lnSpc>
+              <a:defRPr sz="2200">
+                <a:solidFill>
+                  <a:srgbClr val="032F62"/>
+                </a:solidFill>
+                <a:latin typeface="Menlo"/>
+                <a:ea typeface="Menlo"/>
+                <a:cs typeface="Menlo"/>
+                <a:sym typeface="Menlo"/>
               </a:defRPr>
             </a:pPr>
             <a:r>
-              <a:t>go-micro</a:t>
-            </a:r>
-          </a:p>
-          <a:p>
-            <a:pPr lvl="1" marL="741947" indent="-360947">
-              <a:buSzPct val="100000"/>
-              <a:buChar char="•"/>
-              <a:defRPr sz="6900">
-                <a:solidFill>
-                  <a:srgbClr val="000000"/>
-                </a:solidFill>
+              <a:rPr>
+                <a:solidFill>
+                  <a:srgbClr val="24292E"/>
+                </a:solidFill>
+              </a:rPr>
+              <a:t>	</a:t>
+            </a:r>
+            <a:r>
+              <a:t>"fmt"</a:t>
+            </a:r>
+          </a:p>
+          <a:p>
+            <a:pPr algn="r" defTabSz="457200">
+              <a:lnSpc>
+                <a:spcPts val="4600"/>
+              </a:lnSpc>
+              <a:defRPr sz="2200">
+                <a:solidFill>
+                  <a:srgbClr val="1B1F23">
+                    <a:alpha val="29803"/>
+                  </a:srgbClr>
+                </a:solidFill>
+                <a:latin typeface="Menlo"/>
+                <a:ea typeface="Menlo"/>
+                <a:cs typeface="Menlo"/>
+                <a:sym typeface="Menlo"/>
               </a:defRPr>
             </a:pPr>
-            <a:r>
-              <a:t>micro</a:t>
+          </a:p>
+          <a:p>
+            <a:pPr defTabSz="457200">
+              <a:lnSpc>
+                <a:spcPts val="4600"/>
+              </a:lnSpc>
+              <a:defRPr sz="2200">
+                <a:solidFill>
+                  <a:srgbClr val="032F62"/>
+                </a:solidFill>
+                <a:latin typeface="Menlo"/>
+                <a:ea typeface="Menlo"/>
+                <a:cs typeface="Menlo"/>
+                <a:sym typeface="Menlo"/>
+              </a:defRPr>
+            </a:pPr>
+            <a:r>
+              <a:rPr>
+                <a:solidFill>
+                  <a:srgbClr val="24292E"/>
+                </a:solidFill>
+              </a:rPr>
+              <a:t>	proto </a:t>
+            </a:r>
+            <a:r>
+              <a:t>"github.com/micro-in-cn/tutorials/examples/basic-practices/micro-service/proto"</a:t>
+            </a:r>
+          </a:p>
+          <a:p>
+            <a:pPr defTabSz="457200">
+              <a:lnSpc>
+                <a:spcPts val="4600"/>
+              </a:lnSpc>
+              <a:defRPr sz="2200">
+                <a:solidFill>
+                  <a:srgbClr val="032F62"/>
+                </a:solidFill>
+                <a:latin typeface="Menlo"/>
+                <a:ea typeface="Menlo"/>
+                <a:cs typeface="Menlo"/>
+                <a:sym typeface="Menlo"/>
+              </a:defRPr>
+            </a:pPr>
+            <a:r>
+              <a:rPr>
+                <a:solidFill>
+                  <a:srgbClr val="24292E"/>
+                </a:solidFill>
+              </a:rPr>
+              <a:t>	</a:t>
+            </a:r>
+            <a:r>
+              <a:t>"github.com/micro/go-micro"</a:t>
+            </a:r>
+          </a:p>
+          <a:p>
+            <a:pPr defTabSz="457200">
+              <a:lnSpc>
+                <a:spcPts val="4600"/>
+              </a:lnSpc>
+              <a:defRPr sz="2200">
+                <a:solidFill>
+                  <a:srgbClr val="24292E"/>
+                </a:solidFill>
+                <a:latin typeface="Menlo"/>
+                <a:ea typeface="Menlo"/>
+                <a:cs typeface="Menlo"/>
+                <a:sym typeface="Menlo"/>
+              </a:defRPr>
+            </a:pPr>
+            <a:r>
+              <a:t>)</a:t>
+            </a:r>
+          </a:p>
+          <a:p>
+            <a:pPr defTabSz="457200">
+              <a:lnSpc>
+                <a:spcPts val="4600"/>
+              </a:lnSpc>
+              <a:defRPr sz="2200">
+                <a:solidFill>
+                  <a:srgbClr val="E36209"/>
+                </a:solidFill>
+                <a:latin typeface="Menlo"/>
+                <a:ea typeface="Menlo"/>
+                <a:cs typeface="Menlo"/>
+                <a:sym typeface="Menlo"/>
+              </a:defRPr>
+            </a:pPr>
+          </a:p>
+          <a:p>
+            <a:pPr defTabSz="457200">
+              <a:lnSpc>
+                <a:spcPts val="4600"/>
+              </a:lnSpc>
+              <a:defRPr sz="2200">
+                <a:solidFill>
+                  <a:srgbClr val="E36209"/>
+                </a:solidFill>
+                <a:latin typeface="Menlo"/>
+                <a:ea typeface="Menlo"/>
+                <a:cs typeface="Menlo"/>
+                <a:sym typeface="Menlo"/>
+              </a:defRPr>
+            </a:pPr>
+            <a:r>
+              <a:rPr>
+                <a:solidFill>
+                  <a:srgbClr val="D73A49"/>
+                </a:solidFill>
+              </a:rPr>
+              <a:t>type</a:t>
+            </a:r>
+            <a:r>
+              <a:rPr>
+                <a:solidFill>
+                  <a:srgbClr val="24292E"/>
+                </a:solidFill>
+              </a:rPr>
+              <a:t> </a:t>
+            </a:r>
+            <a:r>
+              <a:t>Greeter</a:t>
+            </a:r>
+            <a:r>
+              <a:rPr>
+                <a:solidFill>
+                  <a:srgbClr val="24292E"/>
+                </a:solidFill>
+              </a:rPr>
+              <a:t> </a:t>
+            </a:r>
+            <a:r>
+              <a:rPr>
+                <a:solidFill>
+                  <a:srgbClr val="D73A49"/>
+                </a:solidFill>
+              </a:rPr>
+              <a:t>struct</a:t>
+            </a:r>
+            <a:r>
+              <a:rPr>
+                <a:solidFill>
+                  <a:srgbClr val="24292E"/>
+                </a:solidFill>
+              </a:rPr>
+              <a:t>{}</a:t>
+            </a:r>
+            <a:endParaRPr>
+              <a:solidFill>
+                <a:srgbClr val="24292E"/>
+              </a:solidFill>
+            </a:endParaRPr>
+          </a:p>
+          <a:p>
+            <a:pPr algn="r" defTabSz="457200">
+              <a:lnSpc>
+                <a:spcPts val="4600"/>
+              </a:lnSpc>
+              <a:defRPr sz="2200">
+                <a:solidFill>
+                  <a:srgbClr val="1B1F23">
+                    <a:alpha val="29803"/>
+                  </a:srgbClr>
+                </a:solidFill>
+                <a:latin typeface="Menlo"/>
+                <a:ea typeface="Menlo"/>
+                <a:cs typeface="Menlo"/>
+                <a:sym typeface="Menlo"/>
+              </a:defRPr>
+            </a:pPr>
+          </a:p>
+          <a:p>
+            <a:pPr defTabSz="457200">
+              <a:lnSpc>
+                <a:spcPts val="4600"/>
+              </a:lnSpc>
+              <a:defRPr sz="2200">
+                <a:solidFill>
+                  <a:srgbClr val="E36209"/>
+                </a:solidFill>
+                <a:latin typeface="Menlo"/>
+                <a:ea typeface="Menlo"/>
+                <a:cs typeface="Menlo"/>
+                <a:sym typeface="Menlo"/>
+              </a:defRPr>
+            </a:pPr>
+            <a:r>
+              <a:rPr>
+                <a:solidFill>
+                  <a:srgbClr val="D73A49"/>
+                </a:solidFill>
+              </a:rPr>
+              <a:t>func</a:t>
+            </a:r>
+            <a:r>
+              <a:rPr>
+                <a:solidFill>
+                  <a:srgbClr val="24292E"/>
+                </a:solidFill>
+              </a:rPr>
+              <a:t> </a:t>
+            </a:r>
+            <a:r>
+              <a:rPr>
+                <a:solidFill>
+                  <a:srgbClr val="6F42C1"/>
+                </a:solidFill>
+              </a:rPr>
+              <a:t>(</a:t>
+            </a:r>
+            <a:r>
+              <a:t>g</a:t>
+            </a:r>
+            <a:r>
+              <a:rPr>
+                <a:solidFill>
+                  <a:srgbClr val="6F42C1"/>
+                </a:solidFill>
+              </a:rPr>
+              <a:t> *</a:t>
+            </a:r>
+            <a:r>
+              <a:t>Greeter</a:t>
+            </a:r>
+            <a:r>
+              <a:rPr>
+                <a:solidFill>
+                  <a:srgbClr val="6F42C1"/>
+                </a:solidFill>
+              </a:rPr>
+              <a:t>) Hello</a:t>
+            </a:r>
+            <a:r>
+              <a:rPr>
+                <a:solidFill>
+                  <a:srgbClr val="24292E"/>
+                </a:solidFill>
+              </a:rPr>
+              <a:t>(</a:t>
+            </a:r>
+            <a:r>
+              <a:t>ctx</a:t>
+            </a:r>
+            <a:r>
+              <a:rPr>
+                <a:solidFill>
+                  <a:srgbClr val="24292E"/>
+                </a:solidFill>
+              </a:rPr>
+              <a:t> </a:t>
+            </a:r>
+            <a:r>
+              <a:t>context</a:t>
+            </a:r>
+            <a:r>
+              <a:rPr>
+                <a:solidFill>
+                  <a:srgbClr val="24292E"/>
+                </a:solidFill>
+              </a:rPr>
+              <a:t>.</a:t>
+            </a:r>
+            <a:r>
+              <a:t>Context</a:t>
+            </a:r>
+            <a:r>
+              <a:rPr>
+                <a:solidFill>
+                  <a:srgbClr val="24292E"/>
+                </a:solidFill>
+              </a:rPr>
+              <a:t>, </a:t>
+            </a:r>
+            <a:r>
+              <a:t>req</a:t>
+            </a:r>
+            <a:r>
+              <a:rPr>
+                <a:solidFill>
+                  <a:srgbClr val="24292E"/>
+                </a:solidFill>
+              </a:rPr>
+              <a:t> *</a:t>
+            </a:r>
+            <a:r>
+              <a:t>proto</a:t>
+            </a:r>
+            <a:r>
+              <a:rPr>
+                <a:solidFill>
+                  <a:srgbClr val="24292E"/>
+                </a:solidFill>
+              </a:rPr>
+              <a:t>.</a:t>
+            </a:r>
+            <a:r>
+              <a:t>HelloRequest</a:t>
+            </a:r>
+            <a:r>
+              <a:rPr>
+                <a:solidFill>
+                  <a:srgbClr val="24292E"/>
+                </a:solidFill>
+              </a:rPr>
+              <a:t>, </a:t>
+            </a:r>
+            <a:r>
+              <a:t>rsp</a:t>
+            </a:r>
+            <a:r>
+              <a:rPr>
+                <a:solidFill>
+                  <a:srgbClr val="24292E"/>
+                </a:solidFill>
+              </a:rPr>
+              <a:t> *</a:t>
+            </a:r>
+            <a:r>
+              <a:t>proto</a:t>
+            </a:r>
+            <a:r>
+              <a:rPr>
+                <a:solidFill>
+                  <a:srgbClr val="24292E"/>
+                </a:solidFill>
+              </a:rPr>
+              <a:t>.</a:t>
+            </a:r>
+            <a:r>
+              <a:t>HelloResponse</a:t>
+            </a:r>
+            <a:r>
+              <a:rPr>
+                <a:solidFill>
+                  <a:srgbClr val="24292E"/>
+                </a:solidFill>
+              </a:rPr>
+              <a:t>) </a:t>
+            </a:r>
+            <a:r>
+              <a:t>error</a:t>
+            </a:r>
+            <a:r>
+              <a:rPr>
+                <a:solidFill>
+                  <a:srgbClr val="24292E"/>
+                </a:solidFill>
+              </a:rPr>
+              <a:t> {</a:t>
+            </a:r>
+          </a:p>
+          <a:p>
+            <a:pPr defTabSz="457200">
+              <a:lnSpc>
+                <a:spcPts val="4600"/>
+              </a:lnSpc>
+              <a:defRPr sz="2200">
+                <a:solidFill>
+                  <a:srgbClr val="24292E"/>
+                </a:solidFill>
+                <a:latin typeface="Menlo"/>
+                <a:ea typeface="Menlo"/>
+                <a:cs typeface="Menlo"/>
+                <a:sym typeface="Menlo"/>
+              </a:defRPr>
+            </a:pPr>
+            <a:r>
+              <a:t>	rsp.Greeting = </a:t>
+            </a:r>
+            <a:r>
+              <a:rPr>
+                <a:solidFill>
+                  <a:srgbClr val="032F62"/>
+                </a:solidFill>
+              </a:rPr>
+              <a:t>"你好，"</a:t>
+            </a:r>
+            <a:r>
+              <a:t> + req.Name</a:t>
+            </a:r>
+          </a:p>
+          <a:p>
+            <a:pPr defTabSz="457200">
+              <a:lnSpc>
+                <a:spcPts val="4600"/>
+              </a:lnSpc>
+              <a:defRPr sz="2200">
+                <a:solidFill>
+                  <a:srgbClr val="D73A49"/>
+                </a:solidFill>
+                <a:latin typeface="Menlo"/>
+                <a:ea typeface="Menlo"/>
+                <a:cs typeface="Menlo"/>
+                <a:sym typeface="Menlo"/>
+              </a:defRPr>
+            </a:pPr>
+            <a:r>
+              <a:rPr>
+                <a:solidFill>
+                  <a:srgbClr val="24292E"/>
+                </a:solidFill>
+              </a:rPr>
+              <a:t>	</a:t>
+            </a:r>
+            <a:r>
+              <a:t>return</a:t>
+            </a:r>
+            <a:r>
+              <a:rPr>
+                <a:solidFill>
+                  <a:srgbClr val="24292E"/>
+                </a:solidFill>
+              </a:rPr>
+              <a:t> </a:t>
+            </a:r>
+            <a:r>
+              <a:rPr>
+                <a:solidFill>
+                  <a:srgbClr val="005CC5"/>
+                </a:solidFill>
+              </a:rPr>
+              <a:t>nil</a:t>
+            </a:r>
+          </a:p>
+          <a:p>
+            <a:pPr defTabSz="457200">
+              <a:lnSpc>
+                <a:spcPts val="4600"/>
+              </a:lnSpc>
+              <a:defRPr sz="2200">
+                <a:solidFill>
+                  <a:srgbClr val="24292E"/>
+                </a:solidFill>
+                <a:latin typeface="Menlo"/>
+                <a:ea typeface="Menlo"/>
+                <a:cs typeface="Menlo"/>
+                <a:sym typeface="Menlo"/>
+              </a:defRPr>
+            </a:pPr>
+            <a:r>
+              <a:t>}</a:t>
+            </a:r>
+          </a:p>
+          <a:p>
+            <a:pPr defTabSz="457200">
+              <a:lnSpc>
+                <a:spcPts val="4600"/>
+              </a:lnSpc>
+              <a:defRPr sz="2200">
+                <a:solidFill>
+                  <a:srgbClr val="24292E"/>
+                </a:solidFill>
+                <a:latin typeface="Menlo"/>
+                <a:ea typeface="Menlo"/>
+                <a:cs typeface="Menlo"/>
+                <a:sym typeface="Menlo"/>
+              </a:defRPr>
+            </a:pPr>
+          </a:p>
+          <a:p>
+            <a:pPr defTabSz="457200">
+              <a:lnSpc>
+                <a:spcPts val="4600"/>
+              </a:lnSpc>
+              <a:defRPr sz="2200">
+                <a:solidFill>
+                  <a:srgbClr val="24292E"/>
+                </a:solidFill>
+                <a:latin typeface="Menlo"/>
+                <a:ea typeface="Menlo"/>
+                <a:cs typeface="Menlo"/>
+                <a:sym typeface="Menlo"/>
+              </a:defRPr>
+            </a:pPr>
+            <a:r>
+              <a:rPr>
+                <a:solidFill>
+                  <a:srgbClr val="D73A49"/>
+                </a:solidFill>
+              </a:rPr>
+              <a:t>func</a:t>
+            </a:r>
+            <a:r>
+              <a:t> </a:t>
+            </a:r>
+            <a:r>
+              <a:rPr>
+                <a:solidFill>
+                  <a:srgbClr val="6F42C1"/>
+                </a:solidFill>
+              </a:rPr>
+              <a:t>main</a:t>
+            </a:r>
+            <a:r>
+              <a:t>() {</a:t>
+            </a:r>
+          </a:p>
+          <a:p>
+            <a:pPr defTabSz="457200">
+              <a:lnSpc>
+                <a:spcPts val="4600"/>
+              </a:lnSpc>
+              <a:defRPr sz="2200">
+                <a:solidFill>
+                  <a:srgbClr val="005CC5"/>
+                </a:solidFill>
+                <a:latin typeface="Menlo"/>
+                <a:ea typeface="Menlo"/>
+                <a:cs typeface="Menlo"/>
+                <a:sym typeface="Menlo"/>
+              </a:defRPr>
+            </a:pPr>
+            <a:r>
+              <a:rPr>
+                <a:solidFill>
+                  <a:srgbClr val="24292E"/>
+                </a:solidFill>
+              </a:rPr>
+              <a:t>	service </a:t>
+            </a:r>
+            <a:r>
+              <a:rPr>
+                <a:solidFill>
+                  <a:srgbClr val="D73A49"/>
+                </a:solidFill>
+              </a:rPr>
+              <a:t>:=</a:t>
+            </a:r>
+            <a:r>
+              <a:rPr>
+                <a:solidFill>
+                  <a:srgbClr val="24292E"/>
+                </a:solidFill>
+              </a:rPr>
+              <a:t> micro.</a:t>
+            </a:r>
+            <a:r>
+              <a:t>NewService</a:t>
+            </a:r>
+            <a:r>
+              <a:rPr>
+                <a:solidFill>
+                  <a:srgbClr val="24292E"/>
+                </a:solidFill>
+              </a:rPr>
+              <a:t>(</a:t>
+            </a:r>
+          </a:p>
+          <a:p>
+            <a:pPr defTabSz="457200">
+              <a:lnSpc>
+                <a:spcPts val="4600"/>
+              </a:lnSpc>
+              <a:defRPr sz="2200">
+                <a:solidFill>
+                  <a:srgbClr val="032F62"/>
+                </a:solidFill>
+                <a:latin typeface="Menlo"/>
+                <a:ea typeface="Menlo"/>
+                <a:cs typeface="Menlo"/>
+                <a:sym typeface="Menlo"/>
+              </a:defRPr>
+            </a:pPr>
+            <a:r>
+              <a:rPr>
+                <a:solidFill>
+                  <a:srgbClr val="24292E"/>
+                </a:solidFill>
+              </a:rPr>
+              <a:t>		micro.</a:t>
+            </a:r>
+            <a:r>
+              <a:rPr>
+                <a:solidFill>
+                  <a:srgbClr val="005CC5"/>
+                </a:solidFill>
+              </a:rPr>
+              <a:t>Name</a:t>
+            </a:r>
+            <a:r>
+              <a:rPr>
+                <a:solidFill>
+                  <a:srgbClr val="24292E"/>
+                </a:solidFill>
+              </a:rPr>
+              <a:t>(</a:t>
+            </a:r>
+            <a:r>
+              <a:t>"greeter.service"</a:t>
+            </a:r>
+            <a:r>
+              <a:rPr>
+                <a:solidFill>
+                  <a:srgbClr val="24292E"/>
+                </a:solidFill>
+              </a:rPr>
+              <a:t>),</a:t>
+            </a:r>
+          </a:p>
+          <a:p>
+            <a:pPr defTabSz="457200">
+              <a:lnSpc>
+                <a:spcPts val="4600"/>
+              </a:lnSpc>
+              <a:defRPr sz="2200">
+                <a:solidFill>
+                  <a:srgbClr val="24292E"/>
+                </a:solidFill>
+                <a:latin typeface="Menlo"/>
+                <a:ea typeface="Menlo"/>
+                <a:cs typeface="Menlo"/>
+                <a:sym typeface="Menlo"/>
+              </a:defRPr>
+            </a:pPr>
+            <a:r>
+              <a:t>		micro.</a:t>
+            </a:r>
+            <a:r>
+              <a:rPr>
+                <a:solidFill>
+                  <a:srgbClr val="005CC5"/>
+                </a:solidFill>
+              </a:rPr>
+              <a:t>Version</a:t>
+            </a:r>
+            <a:r>
+              <a:t>(</a:t>
+            </a:r>
+            <a:r>
+              <a:rPr>
+                <a:solidFill>
+                  <a:srgbClr val="032F62"/>
+                </a:solidFill>
+              </a:rPr>
+              <a:t>"latest"</a:t>
+            </a:r>
+            <a:r>
+              <a:t>),</a:t>
+            </a:r>
+          </a:p>
+          <a:p>
+            <a:pPr defTabSz="457200">
+              <a:lnSpc>
+                <a:spcPts val="4600"/>
+              </a:lnSpc>
+              <a:defRPr sz="2200">
+                <a:solidFill>
+                  <a:srgbClr val="24292E"/>
+                </a:solidFill>
+                <a:latin typeface="Menlo"/>
+                <a:ea typeface="Menlo"/>
+                <a:cs typeface="Menlo"/>
+                <a:sym typeface="Menlo"/>
+              </a:defRPr>
+            </a:pPr>
+            <a:r>
+              <a:t>	)</a:t>
+            </a:r>
+          </a:p>
+          <a:p>
+            <a:pPr defTabSz="457200">
+              <a:lnSpc>
+                <a:spcPts val="4600"/>
+              </a:lnSpc>
+              <a:defRPr sz="2200">
+                <a:solidFill>
+                  <a:srgbClr val="24292E"/>
+                </a:solidFill>
+                <a:latin typeface="Menlo"/>
+                <a:ea typeface="Menlo"/>
+                <a:cs typeface="Menlo"/>
+                <a:sym typeface="Menlo"/>
+              </a:defRPr>
+            </a:pPr>
+            <a:r>
+              <a:t>	service.</a:t>
+            </a:r>
+            <a:r>
+              <a:rPr>
+                <a:solidFill>
+                  <a:srgbClr val="005CC5"/>
+                </a:solidFill>
+              </a:rPr>
+              <a:t>Init</a:t>
+            </a:r>
+            <a:r>
+              <a:t>()</a:t>
+            </a:r>
+          </a:p>
+          <a:p>
+            <a:pPr defTabSz="457200">
+              <a:lnSpc>
+                <a:spcPts val="4600"/>
+              </a:lnSpc>
+              <a:defRPr sz="2200">
+                <a:solidFill>
+                  <a:srgbClr val="6A737D"/>
+                </a:solidFill>
+                <a:latin typeface="Menlo"/>
+                <a:ea typeface="Menlo"/>
+                <a:cs typeface="Menlo"/>
+                <a:sym typeface="Menlo"/>
+              </a:defRPr>
+            </a:pPr>
+          </a:p>
+          <a:p>
+            <a:pPr defTabSz="457200">
+              <a:lnSpc>
+                <a:spcPts val="4600"/>
+              </a:lnSpc>
+              <a:defRPr sz="2200">
+                <a:solidFill>
+                  <a:srgbClr val="005CC5"/>
+                </a:solidFill>
+                <a:latin typeface="Menlo"/>
+                <a:ea typeface="Menlo"/>
+                <a:cs typeface="Menlo"/>
+                <a:sym typeface="Menlo"/>
+              </a:defRPr>
+            </a:pPr>
+            <a:r>
+              <a:rPr>
+                <a:solidFill>
+                  <a:srgbClr val="24292E"/>
+                </a:solidFill>
+              </a:rPr>
+              <a:t>	proto.</a:t>
+            </a:r>
+            <a:r>
+              <a:t>RegisterGreeterHandler</a:t>
+            </a:r>
+            <a:r>
+              <a:rPr>
+                <a:solidFill>
+                  <a:srgbClr val="24292E"/>
+                </a:solidFill>
+              </a:rPr>
+              <a:t>(service.</a:t>
+            </a:r>
+            <a:r>
+              <a:t>Server</a:t>
+            </a:r>
+            <a:r>
+              <a:rPr>
+                <a:solidFill>
+                  <a:srgbClr val="24292E"/>
+                </a:solidFill>
+              </a:rPr>
+              <a:t>(), </a:t>
+            </a:r>
+            <a:r>
+              <a:t>new</a:t>
+            </a:r>
+            <a:r>
+              <a:rPr>
+                <a:solidFill>
+                  <a:srgbClr val="24292E"/>
+                </a:solidFill>
+              </a:rPr>
+              <a:t>(Greeter))</a:t>
+            </a:r>
+          </a:p>
+          <a:p>
+            <a:pPr defTabSz="457200">
+              <a:lnSpc>
+                <a:spcPts val="4600"/>
+              </a:lnSpc>
+              <a:defRPr sz="2200">
+                <a:solidFill>
+                  <a:srgbClr val="6A737D"/>
+                </a:solidFill>
+                <a:latin typeface="Menlo"/>
+                <a:ea typeface="Menlo"/>
+                <a:cs typeface="Menlo"/>
+                <a:sym typeface="Menlo"/>
+              </a:defRPr>
+            </a:pPr>
+          </a:p>
+          <a:p>
+            <a:pPr defTabSz="457200">
+              <a:lnSpc>
+                <a:spcPts val="4600"/>
+              </a:lnSpc>
+              <a:defRPr sz="2200">
+                <a:solidFill>
+                  <a:srgbClr val="24292E"/>
+                </a:solidFill>
+                <a:latin typeface="Menlo"/>
+                <a:ea typeface="Menlo"/>
+                <a:cs typeface="Menlo"/>
+                <a:sym typeface="Menlo"/>
+              </a:defRPr>
+            </a:pPr>
+            <a:r>
+              <a:t>	</a:t>
+            </a:r>
+            <a:r>
+              <a:rPr>
+                <a:solidFill>
+                  <a:srgbClr val="D73A49"/>
+                </a:solidFill>
+              </a:rPr>
+              <a:t>if</a:t>
+            </a:r>
+            <a:r>
+              <a:t> err </a:t>
+            </a:r>
+            <a:r>
+              <a:rPr>
+                <a:solidFill>
+                  <a:srgbClr val="D73A49"/>
+                </a:solidFill>
+              </a:rPr>
+              <a:t>:=</a:t>
+            </a:r>
+            <a:r>
+              <a:t> service.</a:t>
+            </a:r>
+            <a:r>
+              <a:rPr>
+                <a:solidFill>
+                  <a:srgbClr val="005CC5"/>
+                </a:solidFill>
+              </a:rPr>
+              <a:t>Run</a:t>
+            </a:r>
+            <a:r>
+              <a:t>(); err != </a:t>
+            </a:r>
+            <a:r>
+              <a:rPr>
+                <a:solidFill>
+                  <a:srgbClr val="005CC5"/>
+                </a:solidFill>
+              </a:rPr>
+              <a:t>nil</a:t>
+            </a:r>
+            <a:r>
+              <a:t> {</a:t>
+            </a:r>
+          </a:p>
+          <a:p>
+            <a:pPr defTabSz="457200">
+              <a:lnSpc>
+                <a:spcPts val="4600"/>
+              </a:lnSpc>
+              <a:defRPr sz="2200">
+                <a:solidFill>
+                  <a:srgbClr val="005CC5"/>
+                </a:solidFill>
+                <a:latin typeface="Menlo"/>
+                <a:ea typeface="Menlo"/>
+                <a:cs typeface="Menlo"/>
+                <a:sym typeface="Menlo"/>
+              </a:defRPr>
+            </a:pPr>
+            <a:r>
+              <a:rPr>
+                <a:solidFill>
+                  <a:srgbClr val="24292E"/>
+                </a:solidFill>
+              </a:rPr>
+              <a:t>		fmt.</a:t>
+            </a:r>
+            <a:r>
+              <a:t>Println</a:t>
+            </a:r>
+            <a:r>
+              <a:rPr>
+                <a:solidFill>
+                  <a:srgbClr val="24292E"/>
+                </a:solidFill>
+              </a:rPr>
+              <a:t>(err)</a:t>
+            </a:r>
+          </a:p>
+          <a:p>
+            <a:pPr defTabSz="457200">
+              <a:lnSpc>
+                <a:spcPts val="4600"/>
+              </a:lnSpc>
+              <a:defRPr sz="2200">
+                <a:solidFill>
+                  <a:srgbClr val="24292E"/>
+                </a:solidFill>
+                <a:latin typeface="Menlo"/>
+                <a:ea typeface="Menlo"/>
+                <a:cs typeface="Menlo"/>
+                <a:sym typeface="Menlo"/>
+              </a:defRPr>
+            </a:pPr>
+            <a:r>
+              <a:t>	}</a:t>
+            </a:r>
+          </a:p>
+          <a:p>
+            <a:pPr defTabSz="457200">
+              <a:lnSpc>
+                <a:spcPts val="4600"/>
+              </a:lnSpc>
+              <a:defRPr sz="2200">
+                <a:solidFill>
+                  <a:srgbClr val="24292E"/>
+                </a:solidFill>
+                <a:latin typeface="Menlo"/>
+                <a:ea typeface="Menlo"/>
+                <a:cs typeface="Menlo"/>
+                <a:sym typeface="Menlo"/>
+              </a:defRPr>
+            </a:pPr>
+            <a:r>
+              <a:t>}</a:t>
             </a:r>
           </a:p>
         </p:txBody>
@@ -2809,26 +3810,16 @@
           <a:chExt cx="0" cy="0"/>
         </a:xfrm>
       </p:grpSpPr>
-      <p:pic>
-        <p:nvPicPr>
-          <p:cNvPr id="83" name="图像" descr="图像"/>
-          <p:cNvPicPr>
-            <a:picLocks noChangeAspect="1"/>
-          </p:cNvPicPr>
+      <p:sp>
+        <p:nvSpPr>
+          <p:cNvPr id="84" name="TextBox 3"/>
+          <p:cNvSpPr txBox="1"/>
           <p:nvPr/>
-        </p:nvPicPr>
-        <p:blipFill>
-          <a:blip r:embed="rId2">
-            <a:extLst/>
-          </a:blip>
-          <a:stretch>
-            <a:fillRect/>
-          </a:stretch>
-        </p:blipFill>
+        </p:nvSpPr>
         <p:spPr>
           <a:xfrm>
-            <a:off x="1282676" y="4504945"/>
-            <a:ext cx="21805948" cy="4706110"/>
+            <a:off x="610418" y="712652"/>
+            <a:ext cx="3165564" cy="1310639"/>
           </a:xfrm>
           <a:prstGeom prst="rect">
             <a:avLst/>
@@ -2836,8 +3827,802 @@
           <a:ln w="12700">
             <a:miter lim="400000"/>
           </a:ln>
+          <a:extLst>
+            <a:ext uri="{C572A759-6A51-4108-AA02-DFA0A04FC94B}">
+              <ma14:wrappingTextBoxFlag xmlns:ma14="http://schemas.microsoft.com/office/mac/drawingml/2011/main" val="1"/>
+            </a:ext>
+          </a:extLst>
         </p:spPr>
-      </p:pic>
+        <p:txBody>
+          <a:bodyPr lIns="45718" tIns="45718" rIns="45718" bIns="45718">
+            <a:spAutoFit/>
+          </a:bodyPr>
+          <a:lstStyle>
+            <a:lvl1pPr defTabSz="1828432">
+              <a:defRPr b="1" sz="8000"/>
+            </a:lvl1pPr>
+          </a:lstStyle>
+          <a:p>
+            <a:pPr/>
+            <a:r>
+              <a:t>Client</a:t>
+            </a:r>
+          </a:p>
+        </p:txBody>
+      </p:sp>
+      <p:sp>
+        <p:nvSpPr>
+          <p:cNvPr id="85" name="package main…"/>
+          <p:cNvSpPr txBox="1"/>
+          <p:nvPr/>
+        </p:nvSpPr>
+        <p:spPr>
+          <a:xfrm>
+            <a:off x="3875071" y="2970529"/>
+            <a:ext cx="19147166" cy="7774941"/>
+          </a:xfrm>
+          <a:prstGeom prst="rect">
+            <a:avLst/>
+          </a:prstGeom>
+          <a:ln w="12700">
+            <a:miter lim="400000"/>
+          </a:ln>
+          <a:extLst>
+            <a:ext uri="{C572A759-6A51-4108-AA02-DFA0A04FC94B}">
+              <ma14:wrappingTextBoxFlag xmlns:ma14="http://schemas.microsoft.com/office/mac/drawingml/2011/main" val="1"/>
+            </a:ext>
+          </a:extLst>
+        </p:spPr>
+        <p:txBody>
+          <a:bodyPr lIns="45719" rIns="45719">
+            <a:spAutoFit/>
+          </a:bodyPr>
+          <a:lstStyle/>
+          <a:p>
+            <a:pPr defTabSz="457200">
+              <a:lnSpc>
+                <a:spcPts val="4600"/>
+              </a:lnSpc>
+              <a:defRPr sz="2200">
+                <a:solidFill>
+                  <a:srgbClr val="D73A49"/>
+                </a:solidFill>
+                <a:latin typeface="Menlo"/>
+                <a:ea typeface="Menlo"/>
+                <a:cs typeface="Menlo"/>
+                <a:sym typeface="Menlo"/>
+              </a:defRPr>
+            </a:pPr>
+            <a:r>
+              <a:t>package</a:t>
+            </a:r>
+            <a:r>
+              <a:rPr>
+                <a:solidFill>
+                  <a:srgbClr val="24292E"/>
+                </a:solidFill>
+              </a:rPr>
+              <a:t> main</a:t>
+            </a:r>
+            <a:endParaRPr>
+              <a:solidFill>
+                <a:srgbClr val="24292E"/>
+              </a:solidFill>
+            </a:endParaRPr>
+          </a:p>
+          <a:p>
+            <a:pPr defTabSz="457200">
+              <a:lnSpc>
+                <a:spcPts val="4600"/>
+              </a:lnSpc>
+              <a:defRPr sz="2200">
+                <a:solidFill>
+                  <a:srgbClr val="D73A49"/>
+                </a:solidFill>
+                <a:latin typeface="Menlo"/>
+                <a:ea typeface="Menlo"/>
+                <a:cs typeface="Menlo"/>
+                <a:sym typeface="Menlo"/>
+              </a:defRPr>
+            </a:pPr>
+          </a:p>
+          <a:p>
+            <a:pPr defTabSz="457200">
+              <a:lnSpc>
+                <a:spcPts val="4600"/>
+              </a:lnSpc>
+              <a:defRPr sz="2200">
+                <a:solidFill>
+                  <a:srgbClr val="D73A49"/>
+                </a:solidFill>
+                <a:latin typeface="Menlo"/>
+                <a:ea typeface="Menlo"/>
+                <a:cs typeface="Menlo"/>
+                <a:sym typeface="Menlo"/>
+              </a:defRPr>
+            </a:pPr>
+            <a:r>
+              <a:t>import</a:t>
+            </a:r>
+            <a:r>
+              <a:rPr>
+                <a:solidFill>
+                  <a:srgbClr val="24292E"/>
+                </a:solidFill>
+              </a:rPr>
+              <a:t> (</a:t>
+            </a:r>
+          </a:p>
+          <a:p>
+            <a:pPr defTabSz="457200">
+              <a:lnSpc>
+                <a:spcPts val="4600"/>
+              </a:lnSpc>
+              <a:defRPr sz="2200">
+                <a:solidFill>
+                  <a:srgbClr val="032F62"/>
+                </a:solidFill>
+                <a:latin typeface="Menlo"/>
+                <a:ea typeface="Menlo"/>
+                <a:cs typeface="Menlo"/>
+                <a:sym typeface="Menlo"/>
+              </a:defRPr>
+            </a:pPr>
+            <a:r>
+              <a:rPr>
+                <a:solidFill>
+                  <a:srgbClr val="24292E"/>
+                </a:solidFill>
+              </a:rPr>
+              <a:t>	</a:t>
+            </a:r>
+            <a:r>
+              <a:t>"context"</a:t>
+            </a:r>
+          </a:p>
+          <a:p>
+            <a:pPr defTabSz="457200">
+              <a:lnSpc>
+                <a:spcPts val="4600"/>
+              </a:lnSpc>
+              <a:defRPr sz="2200">
+                <a:solidFill>
+                  <a:srgbClr val="032F62"/>
+                </a:solidFill>
+                <a:latin typeface="Menlo"/>
+                <a:ea typeface="Menlo"/>
+                <a:cs typeface="Menlo"/>
+                <a:sym typeface="Menlo"/>
+              </a:defRPr>
+            </a:pPr>
+            <a:r>
+              <a:rPr>
+                <a:solidFill>
+                  <a:srgbClr val="24292E"/>
+                </a:solidFill>
+              </a:rPr>
+              <a:t>	</a:t>
+            </a:r>
+            <a:r>
+              <a:t>“fmt"</a:t>
+            </a:r>
+            <a:endParaRPr>
+              <a:solidFill>
+                <a:srgbClr val="24292E"/>
+              </a:solidFill>
+            </a:endParaRPr>
+          </a:p>
+          <a:p>
+            <a:pPr defTabSz="457200">
+              <a:lnSpc>
+                <a:spcPts val="4600"/>
+              </a:lnSpc>
+              <a:defRPr sz="2200">
+                <a:solidFill>
+                  <a:srgbClr val="032F62"/>
+                </a:solidFill>
+                <a:latin typeface="Menlo"/>
+                <a:ea typeface="Menlo"/>
+                <a:cs typeface="Menlo"/>
+                <a:sym typeface="Menlo"/>
+              </a:defRPr>
+            </a:pPr>
+          </a:p>
+          <a:p>
+            <a:pPr defTabSz="457200">
+              <a:lnSpc>
+                <a:spcPts val="4600"/>
+              </a:lnSpc>
+              <a:defRPr sz="2200">
+                <a:solidFill>
+                  <a:srgbClr val="032F62"/>
+                </a:solidFill>
+                <a:latin typeface="Menlo"/>
+                <a:ea typeface="Menlo"/>
+                <a:cs typeface="Menlo"/>
+                <a:sym typeface="Menlo"/>
+              </a:defRPr>
+            </a:pPr>
+            <a:r>
+              <a:rPr>
+                <a:solidFill>
+                  <a:srgbClr val="24292E"/>
+                </a:solidFill>
+              </a:rPr>
+              <a:t>	proto </a:t>
+            </a:r>
+            <a:r>
+              <a:t>"github.com/micro-in-cn/tutorials/examples/basic-practices/micro-service/proto"</a:t>
+            </a:r>
+          </a:p>
+          <a:p>
+            <a:pPr defTabSz="457200">
+              <a:lnSpc>
+                <a:spcPts val="4600"/>
+              </a:lnSpc>
+              <a:defRPr sz="2200">
+                <a:solidFill>
+                  <a:srgbClr val="032F62"/>
+                </a:solidFill>
+                <a:latin typeface="Menlo"/>
+                <a:ea typeface="Menlo"/>
+                <a:cs typeface="Menlo"/>
+                <a:sym typeface="Menlo"/>
+              </a:defRPr>
+            </a:pPr>
+            <a:r>
+              <a:rPr>
+                <a:solidFill>
+                  <a:srgbClr val="24292E"/>
+                </a:solidFill>
+              </a:rPr>
+              <a:t>	</a:t>
+            </a:r>
+            <a:r>
+              <a:t>"github.com/micro/go-micro"</a:t>
+            </a:r>
+          </a:p>
+          <a:p>
+            <a:pPr defTabSz="457200">
+              <a:lnSpc>
+                <a:spcPts val="4600"/>
+              </a:lnSpc>
+              <a:defRPr sz="2200">
+                <a:solidFill>
+                  <a:srgbClr val="24292E"/>
+                </a:solidFill>
+                <a:latin typeface="Menlo"/>
+                <a:ea typeface="Menlo"/>
+                <a:cs typeface="Menlo"/>
+                <a:sym typeface="Menlo"/>
+              </a:defRPr>
+            </a:pPr>
+            <a:r>
+              <a:t>)</a:t>
+            </a:r>
+          </a:p>
+          <a:p>
+            <a:pPr defTabSz="457200">
+              <a:lnSpc>
+                <a:spcPts val="4600"/>
+              </a:lnSpc>
+              <a:defRPr sz="2200">
+                <a:solidFill>
+                  <a:srgbClr val="24292E"/>
+                </a:solidFill>
+                <a:latin typeface="Menlo"/>
+                <a:ea typeface="Menlo"/>
+                <a:cs typeface="Menlo"/>
+                <a:sym typeface="Menlo"/>
+              </a:defRPr>
+            </a:pPr>
+          </a:p>
+          <a:p>
+            <a:pPr defTabSz="457200">
+              <a:lnSpc>
+                <a:spcPts val="4600"/>
+              </a:lnSpc>
+              <a:defRPr sz="2200">
+                <a:solidFill>
+                  <a:srgbClr val="24292E"/>
+                </a:solidFill>
+                <a:latin typeface="Menlo"/>
+                <a:ea typeface="Menlo"/>
+                <a:cs typeface="Menlo"/>
+                <a:sym typeface="Menlo"/>
+              </a:defRPr>
+            </a:pPr>
+            <a:r>
+              <a:rPr>
+                <a:solidFill>
+                  <a:srgbClr val="D73A49"/>
+                </a:solidFill>
+              </a:rPr>
+              <a:t>func</a:t>
+            </a:r>
+            <a:r>
+              <a:t> </a:t>
+            </a:r>
+            <a:r>
+              <a:rPr>
+                <a:solidFill>
+                  <a:srgbClr val="6F42C1"/>
+                </a:solidFill>
+              </a:rPr>
+              <a:t>main</a:t>
+            </a:r>
+            <a:r>
+              <a:t>() {</a:t>
+            </a:r>
+          </a:p>
+          <a:p>
+            <a:pPr defTabSz="457200">
+              <a:lnSpc>
+                <a:spcPts val="4600"/>
+              </a:lnSpc>
+              <a:defRPr sz="2200">
+                <a:solidFill>
+                  <a:srgbClr val="032F62"/>
+                </a:solidFill>
+                <a:latin typeface="Menlo"/>
+                <a:ea typeface="Menlo"/>
+                <a:cs typeface="Menlo"/>
+                <a:sym typeface="Menlo"/>
+              </a:defRPr>
+            </a:pPr>
+            <a:r>
+              <a:rPr>
+                <a:solidFill>
+                  <a:srgbClr val="24292E"/>
+                </a:solidFill>
+              </a:rPr>
+              <a:t>	service </a:t>
+            </a:r>
+            <a:r>
+              <a:rPr>
+                <a:solidFill>
+                  <a:srgbClr val="D73A49"/>
+                </a:solidFill>
+              </a:rPr>
+              <a:t>:=</a:t>
+            </a:r>
+            <a:r>
+              <a:rPr>
+                <a:solidFill>
+                  <a:srgbClr val="24292E"/>
+                </a:solidFill>
+              </a:rPr>
+              <a:t> micro.</a:t>
+            </a:r>
+            <a:r>
+              <a:rPr>
+                <a:solidFill>
+                  <a:srgbClr val="005CC5"/>
+                </a:solidFill>
+              </a:rPr>
+              <a:t>NewService</a:t>
+            </a:r>
+            <a:r>
+              <a:rPr>
+                <a:solidFill>
+                  <a:srgbClr val="24292E"/>
+                </a:solidFill>
+              </a:rPr>
+              <a:t>(micro.</a:t>
+            </a:r>
+            <a:r>
+              <a:rPr>
+                <a:solidFill>
+                  <a:srgbClr val="005CC5"/>
+                </a:solidFill>
+              </a:rPr>
+              <a:t>Name</a:t>
+            </a:r>
+            <a:r>
+              <a:rPr>
+                <a:solidFill>
+                  <a:srgbClr val="24292E"/>
+                </a:solidFill>
+              </a:rPr>
+              <a:t>(</a:t>
+            </a:r>
+            <a:r>
+              <a:t>"greeter.client"</a:t>
+            </a:r>
+            <a:r>
+              <a:rPr>
+                <a:solidFill>
+                  <a:srgbClr val="24292E"/>
+                </a:solidFill>
+              </a:rPr>
+              <a:t>))</a:t>
+            </a:r>
+          </a:p>
+          <a:p>
+            <a:pPr defTabSz="457200">
+              <a:lnSpc>
+                <a:spcPts val="4600"/>
+              </a:lnSpc>
+              <a:defRPr sz="2200">
+                <a:solidFill>
+                  <a:srgbClr val="24292E"/>
+                </a:solidFill>
+                <a:latin typeface="Menlo"/>
+                <a:ea typeface="Menlo"/>
+                <a:cs typeface="Menlo"/>
+                <a:sym typeface="Menlo"/>
+              </a:defRPr>
+            </a:pPr>
+            <a:r>
+              <a:t>	service.</a:t>
+            </a:r>
+            <a:r>
+              <a:rPr>
+                <a:solidFill>
+                  <a:srgbClr val="005CC5"/>
+                </a:solidFill>
+              </a:rPr>
+              <a:t>Init</a:t>
+            </a:r>
+            <a:r>
+              <a:t>()</a:t>
+            </a:r>
+          </a:p>
+          <a:p>
+            <a:pPr algn="r" defTabSz="457200">
+              <a:lnSpc>
+                <a:spcPts val="4600"/>
+              </a:lnSpc>
+              <a:defRPr sz="2200">
+                <a:solidFill>
+                  <a:srgbClr val="1B1F23">
+                    <a:alpha val="29803"/>
+                  </a:srgbClr>
+                </a:solidFill>
+                <a:latin typeface="Menlo"/>
+                <a:ea typeface="Menlo"/>
+                <a:cs typeface="Menlo"/>
+                <a:sym typeface="Menlo"/>
+              </a:defRPr>
+            </a:pPr>
+          </a:p>
+          <a:p>
+            <a:pPr defTabSz="457200">
+              <a:lnSpc>
+                <a:spcPts val="4600"/>
+              </a:lnSpc>
+              <a:defRPr sz="2200">
+                <a:solidFill>
+                  <a:srgbClr val="005CC5"/>
+                </a:solidFill>
+                <a:latin typeface="Menlo"/>
+                <a:ea typeface="Menlo"/>
+                <a:cs typeface="Menlo"/>
+                <a:sym typeface="Menlo"/>
+              </a:defRPr>
+            </a:pPr>
+            <a:r>
+              <a:rPr>
+                <a:solidFill>
+                  <a:srgbClr val="24292E"/>
+                </a:solidFill>
+              </a:rPr>
+              <a:t>	greeter </a:t>
+            </a:r>
+            <a:r>
+              <a:rPr>
+                <a:solidFill>
+                  <a:srgbClr val="D73A49"/>
+                </a:solidFill>
+              </a:rPr>
+              <a:t>:=</a:t>
+            </a:r>
+            <a:r>
+              <a:rPr>
+                <a:solidFill>
+                  <a:srgbClr val="24292E"/>
+                </a:solidFill>
+              </a:rPr>
+              <a:t> proto.</a:t>
+            </a:r>
+            <a:r>
+              <a:t>NewGreeterService</a:t>
+            </a:r>
+            <a:r>
+              <a:rPr>
+                <a:solidFill>
+                  <a:srgbClr val="24292E"/>
+                </a:solidFill>
+              </a:rPr>
+              <a:t>(</a:t>
+            </a:r>
+            <a:r>
+              <a:rPr>
+                <a:solidFill>
+                  <a:srgbClr val="032F62"/>
+                </a:solidFill>
+              </a:rPr>
+              <a:t>"greeter.service"</a:t>
+            </a:r>
+            <a:r>
+              <a:rPr>
+                <a:solidFill>
+                  <a:srgbClr val="24292E"/>
+                </a:solidFill>
+              </a:rPr>
+              <a:t>, service.</a:t>
+            </a:r>
+            <a:r>
+              <a:t>Client</a:t>
+            </a:r>
+            <a:r>
+              <a:rPr>
+                <a:solidFill>
+                  <a:srgbClr val="24292E"/>
+                </a:solidFill>
+              </a:rPr>
+              <a:t>())</a:t>
+            </a:r>
+            <a:endParaRPr>
+              <a:solidFill>
+                <a:srgbClr val="24292E"/>
+              </a:solidFill>
+            </a:endParaRPr>
+          </a:p>
+          <a:p>
+            <a:pPr algn="r" defTabSz="457200">
+              <a:lnSpc>
+                <a:spcPts val="4600"/>
+              </a:lnSpc>
+              <a:defRPr sz="2200">
+                <a:solidFill>
+                  <a:srgbClr val="1B1F23">
+                    <a:alpha val="29803"/>
+                  </a:srgbClr>
+                </a:solidFill>
+                <a:latin typeface="Menlo"/>
+                <a:ea typeface="Menlo"/>
+                <a:cs typeface="Menlo"/>
+                <a:sym typeface="Menlo"/>
+              </a:defRPr>
+            </a:pPr>
+          </a:p>
+          <a:p>
+            <a:pPr defTabSz="457200">
+              <a:lnSpc>
+                <a:spcPts val="4600"/>
+              </a:lnSpc>
+              <a:defRPr sz="2200">
+                <a:solidFill>
+                  <a:srgbClr val="24292E"/>
+                </a:solidFill>
+                <a:latin typeface="Menlo"/>
+                <a:ea typeface="Menlo"/>
+                <a:cs typeface="Menlo"/>
+                <a:sym typeface="Menlo"/>
+              </a:defRPr>
+            </a:pPr>
+            <a:r>
+              <a:t>	rsp, err </a:t>
+            </a:r>
+            <a:r>
+              <a:rPr>
+                <a:solidFill>
+                  <a:srgbClr val="D73A49"/>
+                </a:solidFill>
+              </a:rPr>
+              <a:t>:=</a:t>
+            </a:r>
+            <a:r>
+              <a:t> greeter.</a:t>
+            </a:r>
+            <a:r>
+              <a:rPr>
+                <a:solidFill>
+                  <a:srgbClr val="005CC5"/>
+                </a:solidFill>
+              </a:rPr>
+              <a:t>Hello</a:t>
+            </a:r>
+            <a:r>
+              <a:t>(context.</a:t>
+            </a:r>
+            <a:r>
+              <a:rPr>
+                <a:solidFill>
+                  <a:srgbClr val="005CC5"/>
+                </a:solidFill>
+              </a:rPr>
+              <a:t>TODO</a:t>
+            </a:r>
+            <a:r>
+              <a:t>(), &amp;proto.HelloRequest{Name: </a:t>
+            </a:r>
+            <a:r>
+              <a:rPr>
+                <a:solidFill>
+                  <a:srgbClr val="032F62"/>
+                </a:solidFill>
+              </a:rPr>
+              <a:t>"Micro中国"</a:t>
+            </a:r>
+            <a:r>
+              <a:t>})</a:t>
+            </a:r>
+          </a:p>
+          <a:p>
+            <a:pPr defTabSz="457200">
+              <a:lnSpc>
+                <a:spcPts val="4600"/>
+              </a:lnSpc>
+              <a:defRPr sz="2200">
+                <a:solidFill>
+                  <a:srgbClr val="24292E"/>
+                </a:solidFill>
+                <a:latin typeface="Menlo"/>
+                <a:ea typeface="Menlo"/>
+                <a:cs typeface="Menlo"/>
+                <a:sym typeface="Menlo"/>
+              </a:defRPr>
+            </a:pPr>
+            <a:r>
+              <a:t>	</a:t>
+            </a:r>
+            <a:r>
+              <a:rPr>
+                <a:solidFill>
+                  <a:srgbClr val="D73A49"/>
+                </a:solidFill>
+              </a:rPr>
+              <a:t>if</a:t>
+            </a:r>
+            <a:r>
+              <a:t> err != </a:t>
+            </a:r>
+            <a:r>
+              <a:rPr>
+                <a:solidFill>
+                  <a:srgbClr val="005CC5"/>
+                </a:solidFill>
+              </a:rPr>
+              <a:t>nil</a:t>
+            </a:r>
+            <a:r>
+              <a:t> {</a:t>
+            </a:r>
+          </a:p>
+          <a:p>
+            <a:pPr defTabSz="457200">
+              <a:lnSpc>
+                <a:spcPts val="4600"/>
+              </a:lnSpc>
+              <a:defRPr sz="2200">
+                <a:solidFill>
+                  <a:srgbClr val="005CC5"/>
+                </a:solidFill>
+                <a:latin typeface="Menlo"/>
+                <a:ea typeface="Menlo"/>
+                <a:cs typeface="Menlo"/>
+                <a:sym typeface="Menlo"/>
+              </a:defRPr>
+            </a:pPr>
+            <a:r>
+              <a:rPr>
+                <a:solidFill>
+                  <a:srgbClr val="24292E"/>
+                </a:solidFill>
+              </a:rPr>
+              <a:t>		fmt.</a:t>
+            </a:r>
+            <a:r>
+              <a:t>Println</a:t>
+            </a:r>
+            <a:r>
+              <a:rPr>
+                <a:solidFill>
+                  <a:srgbClr val="24292E"/>
+                </a:solidFill>
+              </a:rPr>
+              <a:t>(err)</a:t>
+            </a:r>
+          </a:p>
+          <a:p>
+            <a:pPr defTabSz="457200">
+              <a:lnSpc>
+                <a:spcPts val="4600"/>
+              </a:lnSpc>
+              <a:defRPr sz="2200">
+                <a:solidFill>
+                  <a:srgbClr val="D73A49"/>
+                </a:solidFill>
+                <a:latin typeface="Menlo"/>
+                <a:ea typeface="Menlo"/>
+                <a:cs typeface="Menlo"/>
+                <a:sym typeface="Menlo"/>
+              </a:defRPr>
+            </a:pPr>
+            <a:r>
+              <a:rPr>
+                <a:solidFill>
+                  <a:srgbClr val="24292E"/>
+                </a:solidFill>
+              </a:rPr>
+              <a:t>		</a:t>
+            </a:r>
+            <a:r>
+              <a:t>return</a:t>
+            </a:r>
+          </a:p>
+          <a:p>
+            <a:pPr defTabSz="457200">
+              <a:lnSpc>
+                <a:spcPts val="4600"/>
+              </a:lnSpc>
+              <a:defRPr sz="2200">
+                <a:solidFill>
+                  <a:srgbClr val="24292E"/>
+                </a:solidFill>
+                <a:latin typeface="Menlo"/>
+                <a:ea typeface="Menlo"/>
+                <a:cs typeface="Menlo"/>
+                <a:sym typeface="Menlo"/>
+              </a:defRPr>
+            </a:pPr>
+            <a:r>
+              <a:t>	}</a:t>
+            </a:r>
+          </a:p>
+          <a:p>
+            <a:pPr defTabSz="457200">
+              <a:lnSpc>
+                <a:spcPts val="4600"/>
+              </a:lnSpc>
+              <a:defRPr sz="2200">
+                <a:solidFill>
+                  <a:srgbClr val="24292E"/>
+                </a:solidFill>
+                <a:latin typeface="Menlo"/>
+                <a:ea typeface="Menlo"/>
+                <a:cs typeface="Menlo"/>
+                <a:sym typeface="Menlo"/>
+              </a:defRPr>
+            </a:pPr>
+            <a:r>
+              <a:t>	fmt.</a:t>
+            </a:r>
+            <a:r>
+              <a:rPr>
+                <a:solidFill>
+                  <a:srgbClr val="005CC5"/>
+                </a:solidFill>
+              </a:rPr>
+              <a:t>Println</a:t>
+            </a:r>
+            <a:r>
+              <a:t>(rsp.Greeting)</a:t>
+            </a:r>
+          </a:p>
+          <a:p>
+            <a:pPr defTabSz="457200">
+              <a:lnSpc>
+                <a:spcPts val="4600"/>
+              </a:lnSpc>
+              <a:defRPr sz="2200">
+                <a:solidFill>
+                  <a:srgbClr val="24292E"/>
+                </a:solidFill>
+                <a:latin typeface="Menlo"/>
+                <a:ea typeface="Menlo"/>
+                <a:cs typeface="Menlo"/>
+                <a:sym typeface="Menlo"/>
+              </a:defRPr>
+            </a:pPr>
+            <a:r>
+              <a:t>}</a:t>
+            </a:r>
+          </a:p>
+        </p:txBody>
+      </p:sp>
     </p:spTree>
   </p:cSld>
   <p:clrMapOvr>
@@ -2864,126 +4649,16 @@
           <a:chExt cx="0" cy="0"/>
         </a:xfrm>
       </p:grpSpPr>
-      <p:pic>
-        <p:nvPicPr>
-          <p:cNvPr id="85" name="图像" descr="图像"/>
-          <p:cNvPicPr>
-            <a:picLocks noChangeAspect="1"/>
-          </p:cNvPicPr>
-          <p:nvPr/>
-        </p:nvPicPr>
-        <p:blipFill>
-          <a:blip r:embed="rId2">
-            <a:extLst/>
-          </a:blip>
-          <a:stretch>
-            <a:fillRect/>
-          </a:stretch>
-        </p:blipFill>
-        <p:spPr>
-          <a:xfrm>
-            <a:off x="1510631" y="2938273"/>
-            <a:ext cx="20118003" cy="7683394"/>
-          </a:xfrm>
-          <a:prstGeom prst="rect">
-            <a:avLst/>
-          </a:prstGeom>
-          <a:ln w="12700">
-            <a:miter lim="400000"/>
-          </a:ln>
-        </p:spPr>
-      </p:pic>
-    </p:spTree>
-  </p:cSld>
-  <p:clrMapOvr>
-    <a:masterClrMapping/>
-  </p:clrMapOvr>
-  <p:transition xmlns:p14="http://schemas.microsoft.com/office/powerpoint/2010/main" spd="med" advClick="1"/>
-</p:sld>
-</file>
-
-<file path=ppt/slides/slide7.xml><?xml version="1.0" encoding="utf-8"?>
-<p:sld xmlns:a="http://schemas.openxmlformats.org/drawingml/2006/main" xmlns:r="http://schemas.openxmlformats.org/officeDocument/2006/relationships" xmlns:p="http://schemas.openxmlformats.org/presentationml/2006/main" xmlns:m="http://schemas.openxmlformats.org/officeDocument/2006/math" xmlns:a14="http://schemas.microsoft.com/office/drawing/2010/main" showMasterSp="1" showMasterPhAnim="1">
-  <p:cSld>
-    <p:spTree>
-      <p:nvGrpSpPr>
-        <p:cNvPr id="1" name=""/>
-        <p:cNvGrpSpPr/>
-        <p:nvPr/>
-      </p:nvGrpSpPr>
-      <p:grpSpPr>
-        <a:xfrm>
-          <a:off x="0" y="0"/>
-          <a:ext cx="0" cy="0"/>
-          <a:chOff x="0" y="0"/>
-          <a:chExt cx="0" cy="0"/>
-        </a:xfrm>
-      </p:grpSpPr>
-      <p:pic>
-        <p:nvPicPr>
-          <p:cNvPr id="87" name="micro-hello-world.png" descr="micro-hello-world.png"/>
-          <p:cNvPicPr>
-            <a:picLocks noChangeAspect="1"/>
-          </p:cNvPicPr>
-          <p:nvPr/>
-        </p:nvPicPr>
-        <p:blipFill>
-          <a:blip r:embed="rId2">
-            <a:extLst/>
-          </a:blip>
-          <a:stretch>
-            <a:fillRect/>
-          </a:stretch>
-        </p:blipFill>
-        <p:spPr>
-          <a:xfrm>
-            <a:off x="1629069" y="2652072"/>
-            <a:ext cx="18053138" cy="8411856"/>
-          </a:xfrm>
-          <a:prstGeom prst="rect">
-            <a:avLst/>
-          </a:prstGeom>
-          <a:ln w="12700">
-            <a:miter lim="400000"/>
-          </a:ln>
-        </p:spPr>
-      </p:pic>
-    </p:spTree>
-  </p:cSld>
-  <p:clrMapOvr>
-    <a:masterClrMapping/>
-  </p:clrMapOvr>
-  <p:transition xmlns:p14="http://schemas.microsoft.com/office/powerpoint/2010/main" spd="med" advClick="1"/>
-</p:sld>
-</file>
-
-<file path=ppt/slides/slide8.xml><?xml version="1.0" encoding="utf-8"?>
-<p:sld xmlns:a="http://schemas.openxmlformats.org/drawingml/2006/main" xmlns:r="http://schemas.openxmlformats.org/officeDocument/2006/relationships" xmlns:p="http://schemas.openxmlformats.org/presentationml/2006/main" xmlns:m="http://schemas.openxmlformats.org/officeDocument/2006/math" xmlns:a14="http://schemas.microsoft.com/office/drawing/2010/main" showMasterSp="1" showMasterPhAnim="1">
-  <p:cSld>
-    <p:spTree>
-      <p:nvGrpSpPr>
-        <p:cNvPr id="1" name=""/>
-        <p:cNvGrpSpPr/>
-        <p:nvPr/>
-      </p:nvGrpSpPr>
-      <p:grpSpPr>
-        <a:xfrm>
-          <a:off x="0" y="0"/>
-          <a:ext cx="0" cy="0"/>
-          <a:chOff x="0" y="0"/>
-          <a:chExt cx="0" cy="0"/>
-        </a:xfrm>
-      </p:grpSpPr>
       <p:sp>
         <p:nvSpPr>
-          <p:cNvPr id="89" name="TextBox 38"/>
+          <p:cNvPr id="87" name="TextBox 38"/>
           <p:cNvSpPr txBox="1"/>
           <p:nvPr/>
         </p:nvSpPr>
         <p:spPr>
           <a:xfrm>
-            <a:off x="6889749" y="8049385"/>
-            <a:ext cx="10591801" cy="1158241"/>
+            <a:off x="6889750" y="8049385"/>
+            <a:ext cx="10591800" cy="1158241"/>
           </a:xfrm>
           <a:prstGeom prst="rect">
             <a:avLst/>
@@ -3024,13 +4699,13 @@
       </p:sp>
       <p:sp>
         <p:nvSpPr>
-          <p:cNvPr id="90" name="Rectangle 12"/>
+          <p:cNvPr id="88" name="Rectangle 12"/>
           <p:cNvSpPr txBox="1"/>
           <p:nvPr/>
         </p:nvSpPr>
         <p:spPr>
           <a:xfrm>
-            <a:off x="9208410" y="9327948"/>
+            <a:off x="9208410" y="9327947"/>
             <a:ext cx="6100649" cy="637541"/>
           </a:xfrm>
           <a:prstGeom prst="rect">
@@ -3090,7 +4765,7 @@
       </p:sp>
       <p:sp>
         <p:nvSpPr>
-          <p:cNvPr id="91" name="感谢观看"/>
+          <p:cNvPr id="89" name="感谢观看"/>
           <p:cNvSpPr txBox="1"/>
           <p:nvPr/>
         </p:nvSpPr>

--- a/docs/Hello World/micro-hello-world.pptx
+++ b/docs/Hello World/micro-hello-world.pptx
@@ -854,7 +854,7 @@
   <p:cSld>
     <p:spTree>
       <p:nvGrpSpPr>
-        <p:cNvPr id="40" name="Shape 40"/>
+        <p:cNvPr id="41" name="Shape 41"/>
         <p:cNvGrpSpPr/>
         <p:nvPr/>
       </p:nvGrpSpPr>
@@ -868,7 +868,7 @@
       </p:grpSpPr>
       <p:sp>
         <p:nvSpPr>
-          <p:cNvPr id="41" name="Google Shape;41;p2:notes"/>
+          <p:cNvPr id="42" name="Google Shape;42;p2:notes"/>
           <p:cNvSpPr/>
           <p:nvPr>
             <p:ph idx="2" type="sldImg"/>
@@ -907,7 +907,7 @@
       </p:sp>
       <p:sp>
         <p:nvSpPr>
-          <p:cNvPr id="42" name="Google Shape;42;p2:notes"/>
+          <p:cNvPr id="43" name="Google Shape;43;p2:notes"/>
           <p:cNvSpPr txBox="1"/>
           <p:nvPr>
             <p:ph idx="1" type="body"/>
@@ -961,7 +961,7 @@
   <p:cSld>
     <p:spTree>
       <p:nvGrpSpPr>
-        <p:cNvPr id="47" name="Shape 47"/>
+        <p:cNvPr id="48" name="Shape 48"/>
         <p:cNvGrpSpPr/>
         <p:nvPr/>
       </p:nvGrpSpPr>
@@ -975,7 +975,7 @@
       </p:grpSpPr>
       <p:sp>
         <p:nvSpPr>
-          <p:cNvPr id="48" name="Google Shape;48;p3:notes"/>
+          <p:cNvPr id="49" name="Google Shape;49;p3:notes"/>
           <p:cNvSpPr txBox="1"/>
           <p:nvPr>
             <p:ph idx="1" type="body"/>
@@ -1014,7 +1014,7 @@
       </p:sp>
       <p:sp>
         <p:nvSpPr>
-          <p:cNvPr id="49" name="Google Shape;49;p3:notes"/>
+          <p:cNvPr id="50" name="Google Shape;50;p3:notes"/>
           <p:cNvSpPr/>
           <p:nvPr>
             <p:ph idx="2" type="sldImg"/>
@@ -1060,7 +1060,7 @@
   <p:cSld>
     <p:spTree>
       <p:nvGrpSpPr>
-        <p:cNvPr id="52" name="Shape 52"/>
+        <p:cNvPr id="53" name="Shape 53"/>
         <p:cNvGrpSpPr/>
         <p:nvPr/>
       </p:nvGrpSpPr>
@@ -1074,7 +1074,7 @@
       </p:grpSpPr>
       <p:sp>
         <p:nvSpPr>
-          <p:cNvPr id="53" name="Google Shape;53;p4:notes"/>
+          <p:cNvPr id="54" name="Google Shape;54;p4:notes"/>
           <p:cNvSpPr txBox="1"/>
           <p:nvPr>
             <p:ph idx="1" type="body"/>
@@ -1113,7 +1113,7 @@
       </p:sp>
       <p:sp>
         <p:nvSpPr>
-          <p:cNvPr id="54" name="Google Shape;54;p4:notes"/>
+          <p:cNvPr id="55" name="Google Shape;55;p4:notes"/>
           <p:cNvSpPr/>
           <p:nvPr>
             <p:ph idx="2" type="sldImg"/>
@@ -1159,7 +1159,7 @@
   <p:cSld>
     <p:spTree>
       <p:nvGrpSpPr>
-        <p:cNvPr id="58" name="Shape 58"/>
+        <p:cNvPr id="59" name="Shape 59"/>
         <p:cNvGrpSpPr/>
         <p:nvPr/>
       </p:nvGrpSpPr>
@@ -1173,7 +1173,7 @@
       </p:grpSpPr>
       <p:sp>
         <p:nvSpPr>
-          <p:cNvPr id="59" name="Google Shape;59;p5:notes"/>
+          <p:cNvPr id="60" name="Google Shape;60;p5:notes"/>
           <p:cNvSpPr txBox="1"/>
           <p:nvPr>
             <p:ph idx="1" type="body"/>
@@ -1212,7 +1212,7 @@
       </p:sp>
       <p:sp>
         <p:nvSpPr>
-          <p:cNvPr id="60" name="Google Shape;60;p5:notes"/>
+          <p:cNvPr id="61" name="Google Shape;61;p5:notes"/>
           <p:cNvSpPr/>
           <p:nvPr>
             <p:ph idx="2" type="sldImg"/>
@@ -1258,7 +1258,7 @@
   <p:cSld>
     <p:spTree>
       <p:nvGrpSpPr>
-        <p:cNvPr id="64" name="Shape 64"/>
+        <p:cNvPr id="65" name="Shape 65"/>
         <p:cNvGrpSpPr/>
         <p:nvPr/>
       </p:nvGrpSpPr>
@@ -1272,7 +1272,7 @@
       </p:grpSpPr>
       <p:sp>
         <p:nvSpPr>
-          <p:cNvPr id="65" name="Google Shape;65;p6:notes"/>
+          <p:cNvPr id="66" name="Google Shape;66;p6:notes"/>
           <p:cNvSpPr/>
           <p:nvPr>
             <p:ph idx="2" type="sldImg"/>
@@ -1311,7 +1311,7 @@
       </p:sp>
       <p:sp>
         <p:nvSpPr>
-          <p:cNvPr id="66" name="Google Shape;66;p6:notes"/>
+          <p:cNvPr id="67" name="Google Shape;67;p6:notes"/>
           <p:cNvSpPr txBox="1"/>
           <p:nvPr>
             <p:ph idx="1" type="body"/>
@@ -6942,6 +6942,34 @@
           </a:ln>
         </p:spPr>
       </p:cxnSp>
+      <p:pic>
+        <p:nvPicPr>
+          <p:cNvPr id="40" name="Google Shape;40;p8"/>
+          <p:cNvPicPr preferRelativeResize="0"/>
+          <p:nvPr/>
+        </p:nvPicPr>
+        <p:blipFill>
+          <a:blip r:embed="rId3">
+            <a:alphaModFix/>
+          </a:blip>
+          <a:stretch>
+            <a:fillRect/>
+          </a:stretch>
+        </p:blipFill>
+        <p:spPr>
+          <a:xfrm>
+            <a:off x="21165200" y="10236225"/>
+            <a:ext cx="2405250" cy="2405250"/>
+          </a:xfrm>
+          <a:prstGeom prst="rect">
+            <a:avLst/>
+          </a:prstGeom>
+          <a:noFill/>
+          <a:ln>
+            <a:noFill/>
+          </a:ln>
+        </p:spPr>
+      </p:pic>
     </p:spTree>
   </p:cSld>
   <p:clrMapOvr>
@@ -6955,7 +6983,7 @@
   <p:cSld>
     <p:spTree>
       <p:nvGrpSpPr>
-        <p:cNvPr id="43" name="Shape 43"/>
+        <p:cNvPr id="44" name="Shape 44"/>
         <p:cNvGrpSpPr/>
         <p:nvPr/>
       </p:nvGrpSpPr>
@@ -6969,7 +6997,7 @@
       </p:grpSpPr>
       <p:sp>
         <p:nvSpPr>
-          <p:cNvPr id="44" name="Google Shape;44;p9"/>
+          <p:cNvPr id="45" name="Google Shape;45;p9"/>
           <p:cNvSpPr txBox="1"/>
           <p:nvPr/>
         </p:nvSpPr>
@@ -7027,7 +7055,7 @@
       </p:sp>
       <p:cxnSp>
         <p:nvCxnSpPr>
-          <p:cNvPr id="45" name="Google Shape;45;p9"/>
+          <p:cNvPr id="46" name="Google Shape;46;p9"/>
           <p:cNvCxnSpPr/>
           <p:nvPr/>
         </p:nvCxnSpPr>
@@ -7053,7 +7081,7 @@
       </p:cxnSp>
       <p:sp>
         <p:nvSpPr>
-          <p:cNvPr id="46" name="Google Shape;46;p9"/>
+          <p:cNvPr id="47" name="Google Shape;47;p9"/>
           <p:cNvSpPr txBox="1"/>
           <p:nvPr/>
         </p:nvSpPr>
@@ -7122,7 +7150,7 @@
   <p:cSld>
     <p:spTree>
       <p:nvGrpSpPr>
-        <p:cNvPr id="50" name="Shape 50"/>
+        <p:cNvPr id="51" name="Shape 51"/>
         <p:cNvGrpSpPr/>
         <p:nvPr/>
       </p:nvGrpSpPr>
@@ -7136,7 +7164,7 @@
       </p:grpSpPr>
       <p:sp>
         <p:nvSpPr>
-          <p:cNvPr id="51" name="Google Shape;51;p10"/>
+          <p:cNvPr id="52" name="Google Shape;52;p10"/>
           <p:cNvSpPr txBox="1"/>
           <p:nvPr/>
         </p:nvSpPr>
@@ -7237,7 +7265,7 @@
   <p:cSld>
     <p:spTree>
       <p:nvGrpSpPr>
-        <p:cNvPr id="55" name="Shape 55"/>
+        <p:cNvPr id="56" name="Shape 56"/>
         <p:cNvGrpSpPr/>
         <p:nvPr/>
       </p:nvGrpSpPr>
@@ -7251,7 +7279,7 @@
       </p:grpSpPr>
       <p:sp>
         <p:nvSpPr>
-          <p:cNvPr id="56" name="Google Shape;56;p11"/>
+          <p:cNvPr id="57" name="Google Shape;57;p11"/>
           <p:cNvSpPr txBox="1"/>
           <p:nvPr/>
         </p:nvSpPr>
@@ -7309,7 +7337,7 @@
       </p:sp>
       <p:sp>
         <p:nvSpPr>
-          <p:cNvPr id="57" name="Google Shape;57;p11"/>
+          <p:cNvPr id="58" name="Google Shape;58;p11"/>
           <p:cNvSpPr txBox="1"/>
           <p:nvPr/>
         </p:nvSpPr>
@@ -9188,7 +9216,7 @@
   <p:cSld>
     <p:spTree>
       <p:nvGrpSpPr>
-        <p:cNvPr id="61" name="Shape 61"/>
+        <p:cNvPr id="62" name="Shape 62"/>
         <p:cNvGrpSpPr/>
         <p:nvPr/>
       </p:nvGrpSpPr>
@@ -9202,7 +9230,7 @@
       </p:grpSpPr>
       <p:sp>
         <p:nvSpPr>
-          <p:cNvPr id="62" name="Google Shape;62;p12"/>
+          <p:cNvPr id="63" name="Google Shape;63;p12"/>
           <p:cNvSpPr txBox="1"/>
           <p:nvPr/>
         </p:nvSpPr>
@@ -9260,7 +9288,7 @@
       </p:sp>
       <p:sp>
         <p:nvSpPr>
-          <p:cNvPr id="63" name="Google Shape;63;p12"/>
+          <p:cNvPr id="64" name="Google Shape;64;p12"/>
           <p:cNvSpPr txBox="1"/>
           <p:nvPr/>
         </p:nvSpPr>
@@ -10436,7 +10464,7 @@
   <p:cSld>
     <p:spTree>
       <p:nvGrpSpPr>
-        <p:cNvPr id="67" name="Shape 67"/>
+        <p:cNvPr id="68" name="Shape 68"/>
         <p:cNvGrpSpPr/>
         <p:nvPr/>
       </p:nvGrpSpPr>
@@ -10450,7 +10478,7 @@
       </p:grpSpPr>
       <p:sp>
         <p:nvSpPr>
-          <p:cNvPr id="68" name="Google Shape;68;p13"/>
+          <p:cNvPr id="69" name="Google Shape;69;p13"/>
           <p:cNvSpPr txBox="1"/>
           <p:nvPr/>
         </p:nvSpPr>
@@ -10534,7 +10562,7 @@
       </p:sp>
       <p:sp>
         <p:nvSpPr>
-          <p:cNvPr id="69" name="Google Shape;69;p13"/>
+          <p:cNvPr id="70" name="Google Shape;70;p13"/>
           <p:cNvSpPr txBox="1"/>
           <p:nvPr/>
         </p:nvSpPr>
@@ -10598,7 +10626,7 @@
       </p:sp>
       <p:sp>
         <p:nvSpPr>
-          <p:cNvPr id="70" name="Google Shape;70;p13"/>
+          <p:cNvPr id="71" name="Google Shape;71;p13"/>
           <p:cNvSpPr txBox="1"/>
           <p:nvPr/>
         </p:nvSpPr>
@@ -10654,6 +10682,34 @@
           </a:p>
         </p:txBody>
       </p:sp>
+      <p:pic>
+        <p:nvPicPr>
+          <p:cNvPr id="72" name="Google Shape;72;p13"/>
+          <p:cNvPicPr preferRelativeResize="0"/>
+          <p:nvPr/>
+        </p:nvPicPr>
+        <p:blipFill>
+          <a:blip r:embed="rId4">
+            <a:alphaModFix/>
+          </a:blip>
+          <a:stretch>
+            <a:fillRect/>
+          </a:stretch>
+        </p:blipFill>
+        <p:spPr>
+          <a:xfrm>
+            <a:off x="21165200" y="10236225"/>
+            <a:ext cx="2405250" cy="2405250"/>
+          </a:xfrm>
+          <a:prstGeom prst="rect">
+            <a:avLst/>
+          </a:prstGeom>
+          <a:noFill/>
+          <a:ln>
+            <a:noFill/>
+          </a:ln>
+        </p:spPr>
+      </p:pic>
     </p:spTree>
   </p:cSld>
   <p:clrMapOvr>
@@ -10667,7 +10723,7 @@
   <a:themeElements>
     <a:clrScheme name="Default Theme">
       <a:dk1>
-        <a:srgbClr val="000000"/>
+        <a:srgbClr val="7F7F7F"/>
       </a:dk1>
       <a:lt1>
         <a:srgbClr val="FFFFFF"/>
@@ -10946,7 +11002,7 @@
   <a:themeElements>
     <a:clrScheme name="Default Theme">
       <a:dk1>
-        <a:srgbClr val="7F7F7F"/>
+        <a:srgbClr val="000000"/>
       </a:dk1>
       <a:lt1>
         <a:srgbClr val="FFFFFF"/>
